--- a/presentations/template.pptx
+++ b/presentations/template.pptx
@@ -6,7 +6,8 @@
   </p:sldMasterIdLst>
   <p:sldIdLst>
     <p:sldId id="256" r:id="rId2"/>
-    <p:sldId id="260" r:id="rId3"/>
+    <p:sldId id="261" r:id="rId3"/>
+    <p:sldId id="260" r:id="rId4"/>
   </p:sldIdLst>
   <p:sldSz cx="12192000" cy="6858000"/>
   <p:notesSz cx="6858000" cy="9144000"/>
@@ -105,6 +106,30 @@
       </a:defRPr>
     </a:lvl9pPr>
   </p:defaultTextStyle>
+  <p:extLst>
+    <p:ext uri="{521415D9-36F7-43E2-AB2F-B90AF26B5E84}">
+      <p14:sectionLst xmlns:p14="http://schemas.microsoft.com/office/powerpoint/2010/main">
+        <p14:section name="Titelfolie" id="{65F61BBF-7E09-493A-AA26-225078D4CC1F}">
+          <p14:sldIdLst>
+            <p14:sldId id="256"/>
+          </p14:sldIdLst>
+        </p14:section>
+        <p14:section name="Titelfolie Abschnitt" id="{9C9BFD7A-7C65-4D11-83C1-74F0C6F5D5C7}">
+          <p14:sldIdLst>
+            <p14:sldId id="261"/>
+          </p14:sldIdLst>
+        </p14:section>
+        <p14:section name="Standard Folie" id="{335946DB-2054-4DF4-B587-C8A417065C7F}">
+          <p14:sldIdLst>
+            <p14:sldId id="260"/>
+          </p14:sldIdLst>
+        </p14:section>
+      </p14:sectionLst>
+    </p:ext>
+    <p:ext uri="{EFAFB233-063F-42B5-8137-9DF3F51BA10A}">
+      <p15:sldGuideLst xmlns:p15="http://schemas.microsoft.com/office/powerpoint/2012/main"/>
+    </p:ext>
+  </p:extLst>
 </p:presentation>
 </file>
 
@@ -255,7 +280,7 @@
           <a:p>
             <a:fld id="{F476C511-F622-47B7-8FEE-26B700D97920}" type="datetimeFigureOut">
               <a:rPr lang="de-DE" smtClean="0"/>
-              <a:t>03.01.2022</a:t>
+              <a:t>11.01.2022</a:t>
             </a:fld>
             <a:endParaRPr lang="de-DE"/>
           </a:p>
@@ -453,7 +478,7 @@
           <a:p>
             <a:fld id="{F476C511-F622-47B7-8FEE-26B700D97920}" type="datetimeFigureOut">
               <a:rPr lang="de-DE" smtClean="0"/>
-              <a:t>03.01.2022</a:t>
+              <a:t>11.01.2022</a:t>
             </a:fld>
             <a:endParaRPr lang="de-DE"/>
           </a:p>
@@ -661,7 +686,7 @@
           <a:p>
             <a:fld id="{F476C511-F622-47B7-8FEE-26B700D97920}" type="datetimeFigureOut">
               <a:rPr lang="de-DE" smtClean="0"/>
-              <a:t>03.01.2022</a:t>
+              <a:t>11.01.2022</a:t>
             </a:fld>
             <a:endParaRPr lang="de-DE"/>
           </a:p>
@@ -859,7 +884,7 @@
           <a:p>
             <a:fld id="{F476C511-F622-47B7-8FEE-26B700D97920}" type="datetimeFigureOut">
               <a:rPr lang="de-DE" smtClean="0"/>
-              <a:t>03.01.2022</a:t>
+              <a:t>11.01.2022</a:t>
             </a:fld>
             <a:endParaRPr lang="de-DE"/>
           </a:p>
@@ -1134,7 +1159,7 @@
           <a:p>
             <a:fld id="{F476C511-F622-47B7-8FEE-26B700D97920}" type="datetimeFigureOut">
               <a:rPr lang="de-DE" smtClean="0"/>
-              <a:t>03.01.2022</a:t>
+              <a:t>11.01.2022</a:t>
             </a:fld>
             <a:endParaRPr lang="de-DE"/>
           </a:p>
@@ -1399,7 +1424,7 @@
           <a:p>
             <a:fld id="{F476C511-F622-47B7-8FEE-26B700D97920}" type="datetimeFigureOut">
               <a:rPr lang="de-DE" smtClean="0"/>
-              <a:t>03.01.2022</a:t>
+              <a:t>11.01.2022</a:t>
             </a:fld>
             <a:endParaRPr lang="de-DE"/>
           </a:p>
@@ -1811,7 +1836,7 @@
           <a:p>
             <a:fld id="{F476C511-F622-47B7-8FEE-26B700D97920}" type="datetimeFigureOut">
               <a:rPr lang="de-DE" smtClean="0"/>
-              <a:t>03.01.2022</a:t>
+              <a:t>11.01.2022</a:t>
             </a:fld>
             <a:endParaRPr lang="de-DE"/>
           </a:p>
@@ -1952,7 +1977,7 @@
           <a:p>
             <a:fld id="{F476C511-F622-47B7-8FEE-26B700D97920}" type="datetimeFigureOut">
               <a:rPr lang="de-DE" smtClean="0"/>
-              <a:t>03.01.2022</a:t>
+              <a:t>11.01.2022</a:t>
             </a:fld>
             <a:endParaRPr lang="de-DE"/>
           </a:p>
@@ -2065,7 +2090,7 @@
           <a:p>
             <a:fld id="{F476C511-F622-47B7-8FEE-26B700D97920}" type="datetimeFigureOut">
               <a:rPr lang="de-DE" smtClean="0"/>
-              <a:t>03.01.2022</a:t>
+              <a:t>11.01.2022</a:t>
             </a:fld>
             <a:endParaRPr lang="de-DE"/>
           </a:p>
@@ -2376,7 +2401,7 @@
           <a:p>
             <a:fld id="{F476C511-F622-47B7-8FEE-26B700D97920}" type="datetimeFigureOut">
               <a:rPr lang="de-DE" smtClean="0"/>
-              <a:t>03.01.2022</a:t>
+              <a:t>11.01.2022</a:t>
             </a:fld>
             <a:endParaRPr lang="de-DE"/>
           </a:p>
@@ -2664,7 +2689,7 @@
           <a:p>
             <a:fld id="{F476C511-F622-47B7-8FEE-26B700D97920}" type="datetimeFigureOut">
               <a:rPr lang="de-DE" smtClean="0"/>
-              <a:t>03.01.2022</a:t>
+              <a:t>11.01.2022</a:t>
             </a:fld>
             <a:endParaRPr lang="de-DE"/>
           </a:p>
@@ -2905,7 +2930,7 @@
           <a:p>
             <a:fld id="{F476C511-F622-47B7-8FEE-26B700D97920}" type="datetimeFigureOut">
               <a:rPr lang="de-DE" smtClean="0"/>
-              <a:t>03.01.2022</a:t>
+              <a:t>11.01.2022</a:t>
             </a:fld>
             <a:endParaRPr lang="de-DE"/>
           </a:p>
@@ -3308,6 +3333,14 @@
 <file path=ppt/slides/slide1.xml><?xml version="1.0" encoding="utf-8"?>
 <p:sld xmlns:a="http://schemas.openxmlformats.org/drawingml/2006/main" xmlns:r="http://schemas.openxmlformats.org/officeDocument/2006/relationships" xmlns:p="http://schemas.openxmlformats.org/presentationml/2006/main">
   <p:cSld>
+    <p:bg>
+      <p:bgPr>
+        <a:solidFill>
+          <a:schemeClr val="bg1"/>
+        </a:solidFill>
+        <a:effectLst/>
+      </p:bgPr>
+    </p:bg>
     <p:spTree>
       <p:nvGrpSpPr>
         <p:cNvPr id="1" name=""/>
@@ -3324,6 +3357,71 @@
       </p:grpSpPr>
       <p:sp>
         <p:nvSpPr>
+          <p:cNvPr id="10" name="Rectangle 9">
+            <a:extLst>
+              <a:ext uri="{FF2B5EF4-FFF2-40B4-BE49-F238E27FC236}">
+                <a16:creationId xmlns:a16="http://schemas.microsoft.com/office/drawing/2014/main" id="{1707FC24-6981-43D9-B525-C7832BA22463}"/>
+              </a:ext>
+              <a:ext uri="{C183D7F6-B498-43B3-948B-1728B52AA6E4}">
+                <adec:decorative xmlns:adec="http://schemas.microsoft.com/office/drawing/2017/decorative" val="1"/>
+              </a:ext>
+            </a:extLst>
+          </p:cNvPr>
+          <p:cNvSpPr>
+            <a:spLocks noGrp="1" noRot="1" noChangeAspect="1" noMove="1" noResize="1" noEditPoints="1" noAdjustHandles="1" noChangeArrowheads="1" noChangeShapeType="1" noTextEdit="1"/>
+          </p:cNvSpPr>
+          <p:nvPr>
+            <p:extLst>
+              <p:ext uri="{386F3935-93C4-4BCD-93E2-E3B085C9AB24}">
+                <p16:designElem xmlns:p16="http://schemas.microsoft.com/office/powerpoint/2015/main" val="1"/>
+              </p:ext>
+            </p:extLst>
+          </p:nvPr>
+        </p:nvSpPr>
+        <p:spPr bwMode="ltGray">
+          <a:xfrm>
+            <a:off x="336884" y="311449"/>
+            <a:ext cx="4332307" cy="6179552"/>
+          </a:xfrm>
+          <a:prstGeom prst="rect">
+            <a:avLst/>
+          </a:prstGeom>
+          <a:solidFill>
+            <a:srgbClr val="404040"/>
+          </a:solidFill>
+          <a:ln w="127000" cap="sq" cmpd="thinThick">
+            <a:solidFill>
+              <a:srgbClr val="404040"/>
+            </a:solidFill>
+          </a:ln>
+        </p:spPr>
+        <p:style>
+          <a:lnRef idx="2">
+            <a:schemeClr val="accent1">
+              <a:shade val="50000"/>
+            </a:schemeClr>
+          </a:lnRef>
+          <a:fillRef idx="1">
+            <a:schemeClr val="accent1"/>
+          </a:fillRef>
+          <a:effectRef idx="0">
+            <a:schemeClr val="accent1"/>
+          </a:effectRef>
+          <a:fontRef idx="minor">
+            <a:schemeClr val="lt1"/>
+          </a:fontRef>
+        </p:style>
+        <p:txBody>
+          <a:bodyPr rtlCol="0" anchor="ctr"/>
+          <a:lstStyle/>
+          <a:p>
+            <a:pPr algn="ctr"/>
+            <a:endParaRPr lang="en-US"/>
+          </a:p>
+        </p:txBody>
+      </p:sp>
+      <p:sp>
+        <p:nvSpPr>
           <p:cNvPr id="2" name="Titel 1">
             <a:extLst>
               <a:ext uri="{FF2B5EF4-FFF2-40B4-BE49-F238E27FC236}">
@@ -3338,12 +3436,26 @@
             <p:ph type="ctrTitle"/>
           </p:nvPr>
         </p:nvSpPr>
-        <p:spPr/>
-        <p:txBody>
-          <a:bodyPr/>
-          <a:lstStyle/>
-          <a:p>
-            <a:endParaRPr lang="de-DE" dirty="0"/>
+        <p:spPr>
+          <a:xfrm>
+            <a:off x="742950" y="742951"/>
+            <a:ext cx="3476625" cy="4962524"/>
+          </a:xfrm>
+        </p:spPr>
+        <p:txBody>
+          <a:bodyPr vert="horz" lIns="91440" tIns="45720" rIns="91440" bIns="45720" rtlCol="0" anchor="ctr">
+            <a:normAutofit/>
+          </a:bodyPr>
+          <a:lstStyle/>
+          <a:p>
+            <a:endParaRPr lang="en-US" sz="4800" kern="1200">
+              <a:solidFill>
+                <a:srgbClr val="FFFFFF"/>
+              </a:solidFill>
+              <a:latin typeface="+mj-lt"/>
+              <a:ea typeface="+mj-ea"/>
+              <a:cs typeface="+mj-cs"/>
+            </a:endParaRPr>
           </a:p>
         </p:txBody>
       </p:sp>
@@ -3375,8 +3487,8 @@
         </p:blipFill>
         <p:spPr>
           <a:xfrm>
-            <a:off x="4716978" y="3663898"/>
-            <a:ext cx="2758043" cy="2071739"/>
+            <a:off x="5153822" y="975392"/>
+            <a:ext cx="6553545" cy="4915157"/>
           </a:xfrm>
           <a:prstGeom prst="rect">
             <a:avLst/>
@@ -3397,6 +3509,186 @@
 </file>
 
 <file path=ppt/slides/slide2.xml><?xml version="1.0" encoding="utf-8"?>
+<p:sld xmlns:a="http://schemas.openxmlformats.org/drawingml/2006/main" xmlns:r="http://schemas.openxmlformats.org/officeDocument/2006/relationships" xmlns:p="http://schemas.openxmlformats.org/presentationml/2006/main">
+  <p:cSld>
+    <p:bg>
+      <p:bgPr>
+        <a:solidFill>
+          <a:schemeClr val="bg1"/>
+        </a:solidFill>
+        <a:effectLst/>
+      </p:bgPr>
+    </p:bg>
+    <p:spTree>
+      <p:nvGrpSpPr>
+        <p:cNvPr id="1" name=""/>
+        <p:cNvGrpSpPr/>
+        <p:nvPr/>
+      </p:nvGrpSpPr>
+      <p:grpSpPr>
+        <a:xfrm>
+          <a:off x="0" y="0"/>
+          <a:ext cx="0" cy="0"/>
+          <a:chOff x="0" y="0"/>
+          <a:chExt cx="0" cy="0"/>
+        </a:xfrm>
+      </p:grpSpPr>
+      <p:sp>
+        <p:nvSpPr>
+          <p:cNvPr id="15" name="Down Arrow 7">
+            <a:extLst>
+              <a:ext uri="{FF2B5EF4-FFF2-40B4-BE49-F238E27FC236}">
+                <a16:creationId xmlns:a16="http://schemas.microsoft.com/office/drawing/2014/main" id="{D4771268-CB57-404A-9271-370EB28F6090}"/>
+              </a:ext>
+              <a:ext uri="{C183D7F6-B498-43B3-948B-1728B52AA6E4}">
+                <adec:decorative xmlns:adec="http://schemas.microsoft.com/office/drawing/2017/decorative" val="1"/>
+              </a:ext>
+            </a:extLst>
+          </p:cNvPr>
+          <p:cNvSpPr>
+            <a:spLocks noGrp="1" noRot="1" noChangeAspect="1" noMove="1" noResize="1" noEditPoints="1" noAdjustHandles="1" noChangeArrowheads="1" noChangeShapeType="1" noTextEdit="1"/>
+          </p:cNvSpPr>
+          <p:nvPr>
+            <p:extLst>
+              <p:ext uri="{386F3935-93C4-4BCD-93E2-E3B085C9AB24}">
+                <p16:designElem xmlns:p16="http://schemas.microsoft.com/office/powerpoint/2015/main" val="1"/>
+              </p:ext>
+            </p:extLst>
+          </p:nvPr>
+        </p:nvSpPr>
+        <p:spPr>
+          <a:xfrm rot="16200000">
+            <a:off x="800100" y="1491343"/>
+            <a:ext cx="3333749" cy="3499103"/>
+          </a:xfrm>
+          <a:prstGeom prst="downArrow">
+            <a:avLst>
+              <a:gd name="adj1" fmla="val 100000"/>
+              <a:gd name="adj2" fmla="val 15788"/>
+            </a:avLst>
+          </a:prstGeom>
+          <a:solidFill>
+            <a:srgbClr val="404040"/>
+          </a:solidFill>
+          <a:ln w="53975">
+            <a:noFill/>
+          </a:ln>
+        </p:spPr>
+        <p:style>
+          <a:lnRef idx="2">
+            <a:schemeClr val="accent1">
+              <a:shade val="50000"/>
+            </a:schemeClr>
+          </a:lnRef>
+          <a:fillRef idx="1">
+            <a:schemeClr val="accent1"/>
+          </a:fillRef>
+          <a:effectRef idx="0">
+            <a:schemeClr val="accent1"/>
+          </a:effectRef>
+          <a:fontRef idx="minor">
+            <a:schemeClr val="lt1"/>
+          </a:fontRef>
+        </p:style>
+        <p:txBody>
+          <a:bodyPr rtlCol="0" anchor="ctr"/>
+          <a:lstStyle/>
+          <a:p>
+            <a:pPr algn="ctr"/>
+            <a:endParaRPr lang="en-US"/>
+          </a:p>
+        </p:txBody>
+      </p:sp>
+      <p:sp>
+        <p:nvSpPr>
+          <p:cNvPr id="2" name="Titel 1">
+            <a:extLst>
+              <a:ext uri="{FF2B5EF4-FFF2-40B4-BE49-F238E27FC236}">
+                <a16:creationId xmlns:a16="http://schemas.microsoft.com/office/drawing/2014/main" id="{CFAAC777-49AD-4D10-A90E-E31BB76BB952}"/>
+              </a:ext>
+            </a:extLst>
+          </p:cNvPr>
+          <p:cNvSpPr>
+            <a:spLocks noGrp="1"/>
+          </p:cNvSpPr>
+          <p:nvPr>
+            <p:ph type="ctrTitle"/>
+          </p:nvPr>
+        </p:nvSpPr>
+        <p:spPr>
+          <a:xfrm>
+            <a:off x="1028700" y="1967266"/>
+            <a:ext cx="2628900" cy="2547257"/>
+          </a:xfrm>
+          <a:noFill/>
+        </p:spPr>
+        <p:txBody>
+          <a:bodyPr vert="horz" lIns="91440" tIns="45720" rIns="91440" bIns="45720" rtlCol="0" anchor="ctr">
+            <a:normAutofit/>
+          </a:bodyPr>
+          <a:lstStyle/>
+          <a:p>
+            <a:endParaRPr lang="en-US" sz="3600" kern="1200">
+              <a:solidFill>
+                <a:srgbClr val="FFFFFF"/>
+              </a:solidFill>
+              <a:latin typeface="+mj-lt"/>
+              <a:ea typeface="+mj-ea"/>
+              <a:cs typeface="+mj-cs"/>
+            </a:endParaRPr>
+          </a:p>
+        </p:txBody>
+      </p:sp>
+      <p:pic>
+        <p:nvPicPr>
+          <p:cNvPr id="5" name="Grafik 4">
+            <a:extLst>
+              <a:ext uri="{FF2B5EF4-FFF2-40B4-BE49-F238E27FC236}">
+                <a16:creationId xmlns:a16="http://schemas.microsoft.com/office/drawing/2014/main" id="{2B15F7AE-90AC-4DD0-BEE7-2B7ACEC6B126}"/>
+              </a:ext>
+            </a:extLst>
+          </p:cNvPr>
+          <p:cNvPicPr>
+            <a:picLocks noChangeAspect="1"/>
+          </p:cNvPicPr>
+          <p:nvPr/>
+        </p:nvPicPr>
+        <p:blipFill>
+          <a:blip r:embed="rId2">
+            <a:extLst>
+              <a:ext uri="{28A0092B-C50C-407E-A947-70E740481C1C}">
+                <a14:useLocalDpi xmlns:a14="http://schemas.microsoft.com/office/drawing/2010/main" val="0"/>
+              </a:ext>
+            </a:extLst>
+          </a:blip>
+          <a:stretch>
+            <a:fillRect/>
+          </a:stretch>
+        </p:blipFill>
+        <p:spPr>
+          <a:xfrm>
+            <a:off x="5904720" y="1473102"/>
+            <a:ext cx="5215729" cy="3911795"/>
+          </a:xfrm>
+          <a:prstGeom prst="rect">
+            <a:avLst/>
+          </a:prstGeom>
+        </p:spPr>
+      </p:pic>
+    </p:spTree>
+    <p:extLst>
+      <p:ext uri="{BB962C8B-B14F-4D97-AF65-F5344CB8AC3E}">
+        <p14:creationId xmlns:p14="http://schemas.microsoft.com/office/powerpoint/2010/main" val="4203276694"/>
+      </p:ext>
+    </p:extLst>
+  </p:cSld>
+  <p:clrMapOvr>
+    <a:masterClrMapping/>
+  </p:clrMapOvr>
+</p:sld>
+</file>
+
+<file path=ppt/slides/slide3.xml><?xml version="1.0" encoding="utf-8"?>
 <p:sld xmlns:a="http://schemas.openxmlformats.org/drawingml/2006/main" xmlns:r="http://schemas.openxmlformats.org/officeDocument/2006/relationships" xmlns:p="http://schemas.openxmlformats.org/presentationml/2006/main">
   <p:cSld>
     <p:bg>
